--- a/Lectures/py_lec_2.pptx
+++ b/Lectures/py_lec_2.pptx
@@ -213,7 +213,7 @@
           <a:p>
             <a:fld id="{FF08647B-1F9F-41A4-B867-46FC175D451E}" type="datetimeFigureOut">
               <a:rPr lang="ru-RU" smtClean="0"/>
-              <a:t>17.06.2021</a:t>
+              <a:t>20.06.2021</a:t>
             </a:fld>
             <a:endParaRPr lang="ru-RU"/>
           </a:p>
@@ -10032,17 +10032,26 @@
               <a:buNone/>
             </a:pPr>
             <a:r>
+              <a:rPr lang="en-US" altLang="ru-RU" sz="3200" b="1" dirty="0">
+                <a:solidFill>
+                  <a:srgbClr val="002060"/>
+                </a:solidFill>
+                <a:latin typeface="+mn-lt"/>
+              </a:rPr>
+              <a:t>Python </a:t>
+            </a:r>
+            <a:r>
               <a:rPr lang="ru-RU" altLang="ru-RU" sz="3200" b="1" dirty="0">
                 <a:solidFill>
                   <a:srgbClr val="002060"/>
                 </a:solidFill>
                 <a:latin typeface="+mn-lt"/>
               </a:rPr>
-              <a:t>Процедурное и объектно-ориентированное программирование</a:t>
-            </a:r>
-          </a:p>
-          <a:p>
-            <a:pPr algn="just" eaLnBrk="1" hangingPunct="1">
+              <a:t>в разрезе: парадигмы и механизмы</a:t>
+            </a:r>
+          </a:p>
+          <a:p>
+            <a:pPr marL="360000" indent="-360000" algn="just" eaLnBrk="1" hangingPunct="1">
               <a:spcBef>
                 <a:spcPct val="0"/>
               </a:spcBef>
@@ -10054,7 +10063,7 @@
                 </a:solidFill>
                 <a:latin typeface="+mn-lt"/>
               </a:rPr>
-              <a:t> Процедурная парадигма: функции</a:t>
+              <a:t>Процедурная парадигма: функции</a:t>
             </a:r>
             <a:endParaRPr lang="en-US" altLang="ru-RU" sz="2800" dirty="0">
               <a:solidFill>
@@ -10064,7 +10073,7 @@
             </a:endParaRPr>
           </a:p>
           <a:p>
-            <a:pPr algn="just" eaLnBrk="1" hangingPunct="1">
+            <a:pPr marL="360000" indent="-360000" algn="just" eaLnBrk="1" hangingPunct="1">
               <a:spcBef>
                 <a:spcPct val="0"/>
               </a:spcBef>
@@ -10076,11 +10085,11 @@
                 </a:solidFill>
                 <a:latin typeface="+mn-lt"/>
               </a:rPr>
-              <a:t> Объектно-ориентированная парадигма</a:t>
-            </a:r>
-          </a:p>
-          <a:p>
-            <a:pPr algn="just" eaLnBrk="1" hangingPunct="1">
+              <a:t>Объектно-ориентированная парадигма</a:t>
+            </a:r>
+          </a:p>
+          <a:p>
+            <a:pPr marL="360000" indent="-360000" algn="just" eaLnBrk="1" hangingPunct="1">
               <a:spcBef>
                 <a:spcPct val="0"/>
               </a:spcBef>
@@ -10092,7 +10101,7 @@
                 </a:solidFill>
                 <a:latin typeface="+mn-lt"/>
               </a:rPr>
-              <a:t> Переменные и объекты</a:t>
+              <a:t>Переменные и объекты</a:t>
             </a:r>
             <a:endParaRPr lang="en-US" altLang="ru-RU" sz="2800" dirty="0">
               <a:solidFill>
@@ -10102,7 +10111,7 @@
             </a:endParaRPr>
           </a:p>
           <a:p>
-            <a:pPr algn="just" eaLnBrk="1" hangingPunct="1">
+            <a:pPr marL="360000" indent="-360000" algn="just" eaLnBrk="1" hangingPunct="1">
               <a:spcBef>
                 <a:spcPct val="0"/>
               </a:spcBef>
@@ -10114,11 +10123,11 @@
                 </a:solidFill>
                 <a:latin typeface="+mn-lt"/>
               </a:rPr>
-              <a:t> Динамическая типизация</a:t>
-            </a:r>
-          </a:p>
-          <a:p>
-            <a:pPr algn="just" eaLnBrk="1" hangingPunct="1">
+              <a:t>Динамическая типизация</a:t>
+            </a:r>
+          </a:p>
+          <a:p>
+            <a:pPr marL="360000" indent="-360000" algn="just" eaLnBrk="1" hangingPunct="1">
               <a:spcBef>
                 <a:spcPct val="0"/>
               </a:spcBef>
@@ -10130,7 +10139,7 @@
                 </a:solidFill>
                 <a:latin typeface="+mn-lt"/>
               </a:rPr>
-              <a:t> Автоматическое управление памятью</a:t>
+              <a:t>Автоматическое управление памятью</a:t>
             </a:r>
           </a:p>
         </p:txBody>
@@ -27548,7 +27557,7 @@
             </a:lvl9pPr>
           </a:lstStyle>
           <a:p>
-            <a:pPr marR="0" lvl="0" indent="360000" algn="just" fontAlgn="base">
+            <a:pPr marR="0" lvl="0" algn="just" fontAlgn="base">
               <a:lnSpc>
                 <a:spcPct val="100000"/>
               </a:lnSpc>
@@ -27576,7 +27585,7 @@
             </a:r>
           </a:p>
           <a:p>
-            <a:pPr marR="0" lvl="0" indent="360000" algn="just" fontAlgn="base">
+            <a:pPr marR="0" lvl="0" algn="just" fontAlgn="base">
               <a:lnSpc>
                 <a:spcPct val="100000"/>
               </a:lnSpc>
@@ -27604,7 +27613,7 @@
             </a:r>
           </a:p>
           <a:p>
-            <a:pPr marR="0" lvl="0" indent="360000" algn="just" fontAlgn="base">
+            <a:pPr marR="0" lvl="0" algn="just" fontAlgn="base">
               <a:lnSpc>
                 <a:spcPct val="100000"/>
               </a:lnSpc>
@@ -28174,7 +28183,7 @@
             </a:r>
           </a:p>
           <a:p>
-            <a:pPr marL="252000" indent="-252000" algn="just" eaLnBrk="1" hangingPunct="1">
+            <a:pPr marL="360000" indent="-360000" algn="just" eaLnBrk="1" hangingPunct="1">
               <a:spcBef>
                 <a:spcPct val="0"/>
               </a:spcBef>
@@ -28201,7 +28210,7 @@
             </a:r>
           </a:p>
           <a:p>
-            <a:pPr marL="252000" indent="-252000" algn="just" eaLnBrk="1" hangingPunct="1">
+            <a:pPr marL="360000" indent="-360000" algn="just" eaLnBrk="1" hangingPunct="1">
               <a:spcBef>
                 <a:spcPct val="0"/>
               </a:spcBef>
@@ -28228,7 +28237,7 @@
             </a:r>
           </a:p>
           <a:p>
-            <a:pPr marL="252000" indent="-252000" algn="just" eaLnBrk="1" hangingPunct="1">
+            <a:pPr marL="360000" indent="-360000" algn="just" eaLnBrk="1" hangingPunct="1">
               <a:spcBef>
                 <a:spcPct val="0"/>
               </a:spcBef>
@@ -28255,7 +28264,7 @@
             </a:r>
           </a:p>
           <a:p>
-            <a:pPr marL="252000" indent="-252000" algn="just" eaLnBrk="1" hangingPunct="1">
+            <a:pPr marL="360000" indent="-360000" algn="just" eaLnBrk="1" hangingPunct="1">
               <a:spcBef>
                 <a:spcPct val="0"/>
               </a:spcBef>
@@ -29479,7 +29488,7 @@
                 </a:solidFill>
                 <a:latin typeface="+mn-lt"/>
               </a:rPr>
-              <a:t>подготовить тесто, </a:t>
+              <a:t>подготовить тесто </a:t>
             </a:r>
           </a:p>
           <a:p>
@@ -29499,7 +29508,7 @@
                 </a:solidFill>
                 <a:latin typeface="+mn-lt"/>
               </a:rPr>
-              <a:t>добавить ингредиенты, </a:t>
+              <a:t>добавить ингредиенты </a:t>
             </a:r>
           </a:p>
           <a:p>
@@ -29513,14 +29522,20 @@
               <a:defRPr/>
             </a:pPr>
             <a:r>
-              <a:rPr lang="ru-RU" sz="2000" dirty="0">
+              <a:rPr lang="ru-RU" sz="2000">
                 <a:solidFill>
                   <a:srgbClr val="002060"/>
                 </a:solidFill>
                 <a:latin typeface="+mn-lt"/>
               </a:rPr>
-              <a:t>испечь. </a:t>
-            </a:r>
+              <a:t>испечь</a:t>
+            </a:r>
+            <a:endParaRPr lang="ru-RU" sz="2000" dirty="0">
+              <a:solidFill>
+                <a:srgbClr val="002060"/>
+              </a:solidFill>
+              <a:latin typeface="+mn-lt"/>
+            </a:endParaRPr>
           </a:p>
           <a:p>
             <a:pPr marR="0" lvl="0" algn="just" fontAlgn="base">

--- a/Lectures/py_lec_2.pptx
+++ b/Lectures/py_lec_2.pptx
@@ -213,7 +213,7 @@
           <a:p>
             <a:fld id="{FF08647B-1F9F-41A4-B867-46FC175D451E}" type="datetimeFigureOut">
               <a:rPr lang="ru-RU" smtClean="0"/>
-              <a:t>20.06.2021</a:t>
+              <a:t>23.06.2021</a:t>
             </a:fld>
             <a:endParaRPr lang="ru-RU"/>
           </a:p>
@@ -13699,25 +13699,7 @@
                 </a:solidFill>
                 <a:latin typeface="+mn-lt"/>
               </a:rPr>
-              <a:t>Нужно понимать, что внутри у стандартного Python </a:t>
-            </a:r>
-            <a:r>
-              <a:rPr lang="ru-RU" sz="2000" dirty="0" err="1">
-                <a:solidFill>
-                  <a:srgbClr val="002060"/>
-                </a:solidFill>
-                <a:latin typeface="+mn-lt"/>
-              </a:rPr>
-              <a:t>сишный</a:t>
-            </a:r>
-            <a:r>
-              <a:rPr lang="ru-RU" sz="2000" dirty="0">
-                <a:solidFill>
-                  <a:srgbClr val="002060"/>
-                </a:solidFill>
-                <a:latin typeface="+mn-lt"/>
-              </a:rPr>
-              <a:t> код. Так, например, в базовом варианте выглядит любой объект:</a:t>
+              <a:t>Нужно понимать, что внутри у стандартного Python сишный код. Так, например, в базовом варианте выглядит любой объект:</a:t>
             </a:r>
           </a:p>
           <a:p>
@@ -13915,58 +13897,7 @@
                 <a:ea typeface="+mn-ea"/>
                 <a:cs typeface="+mn-cs"/>
               </a:rPr>
-              <a:t>    </a:t>
-            </a:r>
-            <a:r>
-              <a:rPr kumimoji="0" lang="en-US" sz="1200" b="0" i="0" u="none" strike="noStrike" kern="1200" cap="none" spc="0" normalizeH="0" baseline="0" noProof="0" dirty="0" err="1">
-                <a:ln>
-                  <a:noFill/>
-                </a:ln>
-                <a:solidFill>
-                  <a:srgbClr val="000000"/>
-                </a:solidFill>
-                <a:effectLst/>
-                <a:uLnTx/>
-                <a:uFillTx/>
-                <a:latin typeface="Courier New" panose="02070309020205020404" pitchFamily="49" charset="0"/>
-                <a:ea typeface="+mn-ea"/>
-                <a:cs typeface="+mn-cs"/>
-              </a:rPr>
-              <a:t>Py_ssize_t</a:t>
-            </a:r>
-            <a:r>
-              <a:rPr kumimoji="0" lang="en-US" sz="1200" b="0" i="0" u="none" strike="noStrike" kern="1200" cap="none" spc="0" normalizeH="0" baseline="0" noProof="0" dirty="0">
-                <a:ln>
-                  <a:noFill/>
-                </a:ln>
-                <a:solidFill>
-                  <a:srgbClr val="000000"/>
-                </a:solidFill>
-                <a:effectLst/>
-                <a:uLnTx/>
-                <a:uFillTx/>
-                <a:latin typeface="Courier New" panose="02070309020205020404" pitchFamily="49" charset="0"/>
-                <a:ea typeface="+mn-ea"/>
-                <a:cs typeface="+mn-cs"/>
-              </a:rPr>
-              <a:t> </a:t>
-            </a:r>
-            <a:r>
-              <a:rPr kumimoji="0" lang="en-US" sz="1200" b="0" i="0" u="none" strike="noStrike" kern="1200" cap="none" spc="0" normalizeH="0" baseline="0" noProof="0" dirty="0" err="1">
-                <a:ln>
-                  <a:noFill/>
-                </a:ln>
-                <a:solidFill>
-                  <a:srgbClr val="000000"/>
-                </a:solidFill>
-                <a:effectLst/>
-                <a:uLnTx/>
-                <a:uFillTx/>
-                <a:latin typeface="Courier New" panose="02070309020205020404" pitchFamily="49" charset="0"/>
-                <a:ea typeface="+mn-ea"/>
-                <a:cs typeface="+mn-cs"/>
-              </a:rPr>
-              <a:t>ob_refcnt</a:t>
+              <a:t>    Py_ssize_t ob_refcnt</a:t>
             </a:r>
             <a:r>
               <a:rPr kumimoji="0" lang="en-US" sz="1200" b="1" i="0" u="none" strike="noStrike" kern="1200" cap="none" spc="0" normalizeH="0" baseline="0" noProof="0" dirty="0">
@@ -14135,10 +14066,27 @@
                 <a:ea typeface="+mn-ea"/>
                 <a:cs typeface="+mn-cs"/>
               </a:rPr>
-              <a:t> _</a:t>
-            </a:r>
-            <a:r>
-              <a:rPr kumimoji="0" lang="en-US" sz="1200" b="0" i="0" u="none" strike="noStrike" kern="1200" cap="none" spc="0" normalizeH="0" baseline="0" noProof="0" dirty="0" err="1">
+              <a:t> _typeobject </a:t>
+            </a:r>
+            <a:r>
+              <a:rPr kumimoji="0" lang="en-US" sz="1200" b="1" i="0" u="none" strike="noStrike" kern="1200" cap="none" spc="0" normalizeH="0" baseline="0" noProof="0" dirty="0">
+                <a:ln>
+                  <a:noFill/>
+                </a:ln>
+                <a:solidFill>
+                  <a:srgbClr val="000080"/>
+                </a:solidFill>
+                <a:effectLst/>
+                <a:uLnTx/>
+                <a:uFillTx/>
+                <a:latin typeface="Courier New" panose="02070309020205020404" pitchFamily="49" charset="0"/>
+                <a:ea typeface="+mn-ea"/>
+                <a:cs typeface="+mn-cs"/>
+              </a:rPr>
+              <a:t>*</a:t>
+            </a:r>
+            <a:r>
+              <a:rPr kumimoji="0" lang="en-US" sz="1200" b="0" i="0" u="none" strike="noStrike" kern="1200" cap="none" spc="0" normalizeH="0" baseline="0" noProof="0" dirty="0">
                 <a:ln>
                   <a:noFill/>
                 </a:ln>
@@ -14152,7 +14100,24 @@
                 <a:ea typeface="+mn-ea"/>
                 <a:cs typeface="+mn-cs"/>
               </a:rPr>
-              <a:t>typeobject</a:t>
+              <a:t>ob_type</a:t>
+            </a:r>
+            <a:r>
+              <a:rPr kumimoji="0" lang="en-US" sz="1200" b="1" i="0" u="none" strike="noStrike" kern="1200" cap="none" spc="0" normalizeH="0" baseline="0" noProof="0" dirty="0">
+                <a:ln>
+                  <a:noFill/>
+                </a:ln>
+                <a:solidFill>
+                  <a:srgbClr val="000080"/>
+                </a:solidFill>
+                <a:effectLst/>
+                <a:uLnTx/>
+                <a:uFillTx/>
+                <a:latin typeface="Courier New" panose="02070309020205020404" pitchFamily="49" charset="0"/>
+                <a:ea typeface="+mn-ea"/>
+                <a:cs typeface="+mn-cs"/>
+              </a:rPr>
+              <a:t>;</a:t>
             </a:r>
             <a:r>
               <a:rPr kumimoji="0" lang="en-US" sz="1200" b="0" i="0" u="none" strike="noStrike" kern="1200" cap="none" spc="0" normalizeH="0" baseline="0" noProof="0" dirty="0">
@@ -14172,7 +14137,41 @@
               <a:t> </a:t>
             </a:r>
             <a:r>
-              <a:rPr kumimoji="0" lang="en-US" sz="1200" b="1" i="0" u="none" strike="noStrike" kern="1200" cap="none" spc="0" normalizeH="0" baseline="0" noProof="0" dirty="0">
+              <a:rPr kumimoji="0" lang="en-US" sz="1200" b="0" i="0" u="none" strike="noStrike" kern="1200" cap="none" spc="0" normalizeH="0" baseline="0" noProof="0" dirty="0">
+                <a:ln>
+                  <a:noFill/>
+                </a:ln>
+                <a:solidFill>
+                  <a:srgbClr val="008000"/>
+                </a:solidFill>
+                <a:effectLst/>
+                <a:uLnTx/>
+                <a:uFillTx/>
+                <a:latin typeface="Courier New" panose="02070309020205020404" pitchFamily="49" charset="0"/>
+                <a:ea typeface="+mn-ea"/>
+                <a:cs typeface="+mn-cs"/>
+              </a:rPr>
+              <a:t>// </a:t>
+            </a:r>
+            <a:r>
+              <a:rPr kumimoji="0" lang="ru-RU" sz="1200" b="0" i="0" u="none" strike="noStrike" kern="1200" cap="none" spc="0" normalizeH="0" baseline="0" noProof="0" dirty="0">
+                <a:ln>
+                  <a:noFill/>
+                </a:ln>
+                <a:solidFill>
+                  <a:srgbClr val="008000"/>
+                </a:solidFill>
+                <a:effectLst/>
+                <a:uLnTx/>
+                <a:uFillTx/>
+                <a:latin typeface="Courier New" panose="02070309020205020404" pitchFamily="49" charset="0"/>
+                <a:ea typeface="+mn-ea"/>
+                <a:cs typeface="+mn-cs"/>
+              </a:rPr>
+              <a:t>тип объекта </a:t>
+            </a:r>
+            <a:r>
+              <a:rPr kumimoji="0" lang="ru-RU" sz="1200" b="1" i="0" u="none" strike="noStrike" kern="1200" cap="none" spc="0" normalizeH="0" baseline="0" noProof="0" dirty="0">
                 <a:ln>
                   <a:noFill/>
                 </a:ln>
@@ -14186,10 +14185,10 @@
                 <a:ea typeface="+mn-ea"/>
                 <a:cs typeface="+mn-cs"/>
               </a:rPr>
-              <a:t>*</a:t>
-            </a:r>
-            <a:r>
-              <a:rPr kumimoji="0" lang="en-US" sz="1200" b="0" i="0" u="none" strike="noStrike" kern="1200" cap="none" spc="0" normalizeH="0" baseline="0" noProof="0" dirty="0" err="1">
+              <a:t>}</a:t>
+            </a:r>
+            <a:r>
+              <a:rPr kumimoji="0" lang="ru-RU" sz="1200" b="0" i="0" u="none" strike="noStrike" kern="1200" cap="none" spc="0" normalizeH="0" baseline="0" noProof="0" dirty="0">
                 <a:ln>
                   <a:noFill/>
                 </a:ln>
@@ -14203,112 +14202,10 @@
                 <a:ea typeface="+mn-ea"/>
                 <a:cs typeface="+mn-cs"/>
               </a:rPr>
-              <a:t>ob_type</a:t>
-            </a:r>
-            <a:r>
-              <a:rPr kumimoji="0" lang="en-US" sz="1200" b="1" i="0" u="none" strike="noStrike" kern="1200" cap="none" spc="0" normalizeH="0" baseline="0" noProof="0" dirty="0">
-                <a:ln>
-                  <a:noFill/>
-                </a:ln>
-                <a:solidFill>
-                  <a:srgbClr val="000080"/>
-                </a:solidFill>
-                <a:effectLst/>
-                <a:uLnTx/>
-                <a:uFillTx/>
-                <a:latin typeface="Courier New" panose="02070309020205020404" pitchFamily="49" charset="0"/>
-                <a:ea typeface="+mn-ea"/>
-                <a:cs typeface="+mn-cs"/>
-              </a:rPr>
-              <a:t>;</a:t>
+              <a:t> </a:t>
             </a:r>
             <a:r>
               <a:rPr kumimoji="0" lang="en-US" sz="1200" b="0" i="0" u="none" strike="noStrike" kern="1200" cap="none" spc="0" normalizeH="0" baseline="0" noProof="0" dirty="0">
-                <a:ln>
-                  <a:noFill/>
-                </a:ln>
-                <a:solidFill>
-                  <a:srgbClr val="000000"/>
-                </a:solidFill>
-                <a:effectLst/>
-                <a:uLnTx/>
-                <a:uFillTx/>
-                <a:latin typeface="Courier New" panose="02070309020205020404" pitchFamily="49" charset="0"/>
-                <a:ea typeface="+mn-ea"/>
-                <a:cs typeface="+mn-cs"/>
-              </a:rPr>
-              <a:t> </a:t>
-            </a:r>
-            <a:r>
-              <a:rPr kumimoji="0" lang="en-US" sz="1200" b="0" i="0" u="none" strike="noStrike" kern="1200" cap="none" spc="0" normalizeH="0" baseline="0" noProof="0" dirty="0">
-                <a:ln>
-                  <a:noFill/>
-                </a:ln>
-                <a:solidFill>
-                  <a:srgbClr val="008000"/>
-                </a:solidFill>
-                <a:effectLst/>
-                <a:uLnTx/>
-                <a:uFillTx/>
-                <a:latin typeface="Courier New" panose="02070309020205020404" pitchFamily="49" charset="0"/>
-                <a:ea typeface="+mn-ea"/>
-                <a:cs typeface="+mn-cs"/>
-              </a:rPr>
-              <a:t>// </a:t>
-            </a:r>
-            <a:r>
-              <a:rPr kumimoji="0" lang="ru-RU" sz="1200" b="0" i="0" u="none" strike="noStrike" kern="1200" cap="none" spc="0" normalizeH="0" baseline="0" noProof="0" dirty="0">
-                <a:ln>
-                  <a:noFill/>
-                </a:ln>
-                <a:solidFill>
-                  <a:srgbClr val="008000"/>
-                </a:solidFill>
-                <a:effectLst/>
-                <a:uLnTx/>
-                <a:uFillTx/>
-                <a:latin typeface="Courier New" panose="02070309020205020404" pitchFamily="49" charset="0"/>
-                <a:ea typeface="+mn-ea"/>
-                <a:cs typeface="+mn-cs"/>
-              </a:rPr>
-              <a:t>тип объекта </a:t>
-            </a:r>
-            <a:r>
-              <a:rPr kumimoji="0" lang="ru-RU" sz="1200" b="1" i="0" u="none" strike="noStrike" kern="1200" cap="none" spc="0" normalizeH="0" baseline="0" noProof="0" dirty="0">
-                <a:ln>
-                  <a:noFill/>
-                </a:ln>
-                <a:solidFill>
-                  <a:srgbClr val="000080"/>
-                </a:solidFill>
-                <a:effectLst/>
-                <a:uLnTx/>
-                <a:uFillTx/>
-                <a:latin typeface="Courier New" panose="02070309020205020404" pitchFamily="49" charset="0"/>
-                <a:ea typeface="+mn-ea"/>
-                <a:cs typeface="+mn-cs"/>
-              </a:rPr>
-              <a:t>}</a:t>
-            </a:r>
-            <a:r>
-              <a:rPr kumimoji="0" lang="ru-RU" sz="1200" b="0" i="0" u="none" strike="noStrike" kern="1200" cap="none" spc="0" normalizeH="0" baseline="0" noProof="0" dirty="0">
-                <a:ln>
-                  <a:noFill/>
-                </a:ln>
-                <a:solidFill>
-                  <a:srgbClr val="000000"/>
-                </a:solidFill>
-                <a:effectLst/>
-                <a:uLnTx/>
-                <a:uFillTx/>
-                <a:latin typeface="Courier New" panose="02070309020205020404" pitchFamily="49" charset="0"/>
-                <a:ea typeface="+mn-ea"/>
-                <a:cs typeface="+mn-cs"/>
-              </a:rPr>
-              <a:t> </a:t>
-            </a:r>
-            <a:r>
-              <a:rPr kumimoji="0" lang="en-US" sz="1200" b="0" i="0" u="none" strike="noStrike" kern="1200" cap="none" spc="0" normalizeH="0" baseline="0" noProof="0" dirty="0" err="1">
                 <a:ln>
                   <a:noFill/>
                 </a:ln>
@@ -14594,24 +14491,7 @@
                 <a:ea typeface="+mn-ea"/>
                 <a:cs typeface="+mn-cs"/>
               </a:rPr>
-              <a:t> </a:t>
-            </a:r>
-            <a:r>
-              <a:rPr kumimoji="0" lang="ru-RU" sz="1200" b="0" i="0" u="none" strike="noStrike" kern="1200" cap="none" spc="0" normalizeH="0" baseline="0" noProof="0" dirty="0" err="1">
-                <a:ln>
-                  <a:noFill/>
-                </a:ln>
-                <a:solidFill>
-                  <a:srgbClr val="000000"/>
-                </a:solidFill>
-                <a:effectLst/>
-                <a:uLnTx/>
-                <a:uFillTx/>
-                <a:latin typeface="Courier New" panose="02070309020205020404" pitchFamily="49" charset="0"/>
-                <a:ea typeface="+mn-ea"/>
-                <a:cs typeface="+mn-cs"/>
-              </a:rPr>
-              <a:t>object</a:t>
+              <a:t> object</a:t>
             </a:r>
             <a:r>
               <a:rPr kumimoji="0" lang="ru-RU" sz="1200" b="1" i="0" u="none" strike="noStrike" kern="1200" cap="none" spc="0" normalizeH="0" baseline="0" noProof="0" dirty="0">
@@ -14842,24 +14722,14 @@
               <a:t>Сборка мусора (</a:t>
             </a:r>
             <a:r>
-              <a:rPr lang="en-US" dirty="0" err="1">
+              <a:rPr lang="en-US" dirty="0">
                 <a:solidFill>
                   <a:srgbClr val="002060"/>
                 </a:solidFill>
                 <a:latin typeface="+mn-lt"/>
                 <a:cs typeface="Times New Roman" panose="02020603050405020304" pitchFamily="18" charset="0"/>
               </a:rPr>
-              <a:t>gc</a:t>
-            </a:r>
-            <a:r>
-              <a:rPr lang="en-US" dirty="0">
-                <a:solidFill>
-                  <a:srgbClr val="002060"/>
-                </a:solidFill>
-                <a:latin typeface="+mn-lt"/>
-                <a:cs typeface="Times New Roman" panose="02020603050405020304" pitchFamily="18" charset="0"/>
-              </a:rPr>
-              <a:t>)</a:t>
+              <a:t>gc)</a:t>
             </a:r>
             <a:endParaRPr lang="ru-RU" altLang="ru-RU" dirty="0">
               <a:solidFill>

--- a/Lectures/py_lec_2.pptx
+++ b/Lectures/py_lec_2.pptx
@@ -213,7 +213,7 @@
           <a:p>
             <a:fld id="{FF08647B-1F9F-41A4-B867-46FC175D451E}" type="datetimeFigureOut">
               <a:rPr lang="ru-RU" smtClean="0"/>
-              <a:t>23.06.2021</a:t>
+              <a:t>24.06.2021</a:t>
             </a:fld>
             <a:endParaRPr lang="ru-RU"/>
           </a:p>
@@ -17451,7 +17451,7 @@
                 <a:ea typeface="+mn-ea"/>
                 <a:cs typeface="+mn-cs"/>
               </a:rPr>
-              <a:t>hello_world </a:t>
+              <a:t>hello_world</a:t>
             </a:r>
             <a:r>
               <a:rPr kumimoji="0" lang="en-US" sz="1200" b="1" i="0" u="none" strike="noStrike" kern="1200" cap="none" spc="0" normalizeH="0" baseline="0" noProof="0" dirty="0">
